--- a/AD_assignment_plan/1조 AD과제계획 PPT.pptx
+++ b/AD_assignment_plan/1조 AD과제계획 PPT.pptx
@@ -4442,7 +4442,7 @@
                 <a:latin typeface="210 앱굴림 L" panose="02020603020101020101" pitchFamily="18" charset="-127"/>
                 <a:ea typeface="210 앱굴림 L" panose="02020603020101020101" pitchFamily="18" charset="-127"/>
               </a:rPr>
-              <a:t>점등과 경고음 발생</a:t>
+              <a:t>점등</a:t>
             </a:r>
             <a:endParaRPr lang="en-US" altLang="ko-KR" sz="2800" dirty="0">
               <a:latin typeface="210 앱굴림 L" panose="02020603020101020101" pitchFamily="18" charset="-127"/>
